--- a/supplementary/figures/comp_meshes3.pptx
+++ b/supplementary/figures/comp_meshes3.pptx
@@ -10,7 +10,7 @@
   <p:sldIdLst>
     <p:sldId id="256" r:id="rId2"/>
   </p:sldIdLst>
-  <p:sldSz cx="18291175" cy="12961938"/>
+  <p:sldSz cx="18291175" cy="17281525"/>
   <p:notesSz cx="6858000" cy="9144000"/>
   <p:defaultTextStyle>
     <a:defPPr>
@@ -192,7 +192,7 @@
           <a:p>
             <a:fld id="{60DCF128-8B16-4FDF-88C3-B7A27197C50B}" type="datetimeFigureOut">
               <a:rPr kumimoji="1" lang="ja-JP" altLang="en-US" smtClean="0"/>
-              <a:t>2015/4/30</a:t>
+              <a:t>2015/9/25</a:t>
             </a:fld>
             <a:endParaRPr kumimoji="1" lang="ja-JP" altLang="en-US"/>
           </a:p>
@@ -210,8 +210,8 @@
         </p:nvSpPr>
         <p:spPr>
           <a:xfrm>
-            <a:off x="1009650" y="685800"/>
-            <a:ext cx="4838700" cy="3429000"/>
+            <a:off x="1614488" y="685800"/>
+            <a:ext cx="3629025" cy="3429000"/>
           </a:xfrm>
           <a:prstGeom prst="rect">
             <a:avLst/>
@@ -489,8 +489,8 @@
         </p:nvSpPr>
         <p:spPr>
           <a:xfrm>
-            <a:off x="1009650" y="685800"/>
-            <a:ext cx="4838700" cy="3429000"/>
+            <a:off x="1614488" y="685800"/>
+            <a:ext cx="3629025" cy="3429000"/>
           </a:xfrm>
         </p:spPr>
       </p:sp>
@@ -578,8 +578,8 @@
         </p:nvSpPr>
         <p:spPr>
           <a:xfrm>
-            <a:off x="1371845" y="4026605"/>
-            <a:ext cx="15547499" cy="2778415"/>
+            <a:off x="1371848" y="5368478"/>
+            <a:ext cx="15547499" cy="3704327"/>
           </a:xfrm>
         </p:spPr>
         <p:txBody>
@@ -606,8 +606,8 @@
         </p:nvSpPr>
         <p:spPr>
           <a:xfrm>
-            <a:off x="2743683" y="7345100"/>
-            <a:ext cx="12803823" cy="3312495"/>
+            <a:off x="2743686" y="9792867"/>
+            <a:ext cx="12803823" cy="4416390"/>
           </a:xfrm>
         </p:spPr>
         <p:txBody>
@@ -731,7 +731,7 @@
             <a:fld id="{1D8BD707-D9CF-40AE-B4C6-C98DA3205C09}" type="datetimeFigureOut">
               <a:rPr lang="en-US" smtClean="0"/>
               <a:pPr/>
-              <a:t>4/30/2015</a:t>
+              <a:t>9/25/2015</a:t>
             </a:fld>
             <a:endParaRPr lang="en-US"/>
           </a:p>
@@ -898,7 +898,7 @@
             <a:fld id="{1D8BD707-D9CF-40AE-B4C6-C98DA3205C09}" type="datetimeFigureOut">
               <a:rPr lang="en-US" smtClean="0"/>
               <a:pPr/>
-              <a:t>4/30/2015</a:t>
+              <a:t>9/25/2015</a:t>
             </a:fld>
             <a:endParaRPr lang="en-US"/>
           </a:p>
@@ -984,8 +984,8 @@
         </p:nvSpPr>
         <p:spPr>
           <a:xfrm>
-            <a:off x="13261102" y="519083"/>
-            <a:ext cx="4115514" cy="11059654"/>
+            <a:off x="13261102" y="692070"/>
+            <a:ext cx="4115514" cy="14745301"/>
           </a:xfrm>
         </p:spPr>
         <p:txBody>
@@ -1012,8 +1012,8 @@
         </p:nvSpPr>
         <p:spPr>
           <a:xfrm>
-            <a:off x="914559" y="519083"/>
-            <a:ext cx="12041690" cy="11059654"/>
+            <a:off x="914559" y="692070"/>
+            <a:ext cx="12041690" cy="14745301"/>
           </a:xfrm>
         </p:spPr>
         <p:txBody>
@@ -1075,7 +1075,7 @@
             <a:fld id="{1D8BD707-D9CF-40AE-B4C6-C98DA3205C09}" type="datetimeFigureOut">
               <a:rPr lang="en-US" smtClean="0"/>
               <a:pPr/>
-              <a:t>4/30/2015</a:t>
+              <a:t>9/25/2015</a:t>
             </a:fld>
             <a:endParaRPr lang="en-US"/>
           </a:p>
@@ -1242,7 +1242,7 @@
             <a:fld id="{1D8BD707-D9CF-40AE-B4C6-C98DA3205C09}" type="datetimeFigureOut">
               <a:rPr lang="en-US" smtClean="0"/>
               <a:pPr/>
-              <a:t>4/30/2015</a:t>
+              <a:t>9/25/2015</a:t>
             </a:fld>
             <a:endParaRPr lang="en-US"/>
           </a:p>
@@ -1328,8 +1328,8 @@
         </p:nvSpPr>
         <p:spPr>
           <a:xfrm>
-            <a:off x="1444884" y="8329250"/>
-            <a:ext cx="15547499" cy="2574384"/>
+            <a:off x="1444887" y="11104986"/>
+            <a:ext cx="15547499" cy="3432302"/>
           </a:xfrm>
         </p:spPr>
         <p:txBody>
@@ -1360,8 +1360,8 @@
         </p:nvSpPr>
         <p:spPr>
           <a:xfrm>
-            <a:off x="1444884" y="5493826"/>
-            <a:ext cx="15547499" cy="2835423"/>
+            <a:off x="1444887" y="7324653"/>
+            <a:ext cx="15547499" cy="3780333"/>
           </a:xfrm>
         </p:spPr>
         <p:txBody>
@@ -1485,7 +1485,7 @@
             <a:fld id="{1D8BD707-D9CF-40AE-B4C6-C98DA3205C09}" type="datetimeFigureOut">
               <a:rPr lang="en-US" smtClean="0"/>
               <a:pPr/>
-              <a:t>4/30/2015</a:t>
+              <a:t>9/25/2015</a:t>
             </a:fld>
             <a:endParaRPr lang="en-US"/>
           </a:p>
@@ -1594,8 +1594,8 @@
         </p:nvSpPr>
         <p:spPr>
           <a:xfrm>
-            <a:off x="914559" y="3024456"/>
-            <a:ext cx="8078602" cy="8554281"/>
+            <a:off x="914559" y="4032363"/>
+            <a:ext cx="8078602" cy="11405008"/>
           </a:xfrm>
         </p:spPr>
         <p:txBody>
@@ -1679,8 +1679,8 @@
         </p:nvSpPr>
         <p:spPr>
           <a:xfrm>
-            <a:off x="9298014" y="3024456"/>
-            <a:ext cx="8078602" cy="8554281"/>
+            <a:off x="9298014" y="4032363"/>
+            <a:ext cx="8078602" cy="11405008"/>
           </a:xfrm>
         </p:spPr>
         <p:txBody>
@@ -1770,7 +1770,7 @@
             <a:fld id="{1D8BD707-D9CF-40AE-B4C6-C98DA3205C09}" type="datetimeFigureOut">
               <a:rPr lang="en-US" smtClean="0"/>
               <a:pPr/>
-              <a:t>4/30/2015</a:t>
+              <a:t>9/25/2015</a:t>
             </a:fld>
             <a:endParaRPr lang="en-US"/>
           </a:p>
@@ -1883,8 +1883,8 @@
         </p:nvSpPr>
         <p:spPr>
           <a:xfrm>
-            <a:off x="914566" y="2901436"/>
-            <a:ext cx="8081779" cy="1209180"/>
+            <a:off x="914569" y="3868344"/>
+            <a:ext cx="8081779" cy="1612141"/>
           </a:xfrm>
         </p:spPr>
         <p:txBody>
@@ -1948,8 +1948,8 @@
         </p:nvSpPr>
         <p:spPr>
           <a:xfrm>
-            <a:off x="914566" y="4110616"/>
-            <a:ext cx="8081779" cy="7468118"/>
+            <a:off x="914569" y="5480487"/>
+            <a:ext cx="8081779" cy="9956880"/>
           </a:xfrm>
         </p:spPr>
         <p:txBody>
@@ -2033,8 +2033,8 @@
         </p:nvSpPr>
         <p:spPr>
           <a:xfrm>
-            <a:off x="9291671" y="2901436"/>
-            <a:ext cx="8084953" cy="1209180"/>
+            <a:off x="9291674" y="3868344"/>
+            <a:ext cx="8084953" cy="1612141"/>
           </a:xfrm>
         </p:spPr>
         <p:txBody>
@@ -2098,8 +2098,8 @@
         </p:nvSpPr>
         <p:spPr>
           <a:xfrm>
-            <a:off x="9291671" y="4110616"/>
-            <a:ext cx="8084953" cy="7468118"/>
+            <a:off x="9291674" y="5480487"/>
+            <a:ext cx="8084953" cy="9956880"/>
           </a:xfrm>
         </p:spPr>
         <p:txBody>
@@ -2189,7 +2189,7 @@
             <a:fld id="{1D8BD707-D9CF-40AE-B4C6-C98DA3205C09}" type="datetimeFigureOut">
               <a:rPr lang="en-US" smtClean="0"/>
               <a:pPr/>
-              <a:t>4/30/2015</a:t>
+              <a:t>9/25/2015</a:t>
             </a:fld>
             <a:endParaRPr lang="en-US"/>
           </a:p>
@@ -2304,7 +2304,7 @@
             <a:fld id="{1D8BD707-D9CF-40AE-B4C6-C98DA3205C09}" type="datetimeFigureOut">
               <a:rPr lang="en-US" smtClean="0"/>
               <a:pPr/>
-              <a:t>4/30/2015</a:t>
+              <a:t>9/25/2015</a:t>
             </a:fld>
             <a:endParaRPr lang="en-US"/>
           </a:p>
@@ -2396,7 +2396,7 @@
             <a:fld id="{1D8BD707-D9CF-40AE-B4C6-C98DA3205C09}" type="datetimeFigureOut">
               <a:rPr lang="en-US" smtClean="0"/>
               <a:pPr/>
-              <a:t>4/30/2015</a:t>
+              <a:t>9/25/2015</a:t>
             </a:fld>
             <a:endParaRPr lang="en-US"/>
           </a:p>
@@ -2482,8 +2482,8 @@
         </p:nvSpPr>
         <p:spPr>
           <a:xfrm>
-            <a:off x="914567" y="516078"/>
-            <a:ext cx="6017671" cy="2196330"/>
+            <a:off x="914570" y="688064"/>
+            <a:ext cx="6017671" cy="2928260"/>
           </a:xfrm>
         </p:spPr>
         <p:txBody>
@@ -2514,8 +2514,8 @@
         </p:nvSpPr>
         <p:spPr>
           <a:xfrm>
-            <a:off x="7151348" y="516080"/>
-            <a:ext cx="10225275" cy="11062655"/>
+            <a:off x="7151351" y="688067"/>
+            <a:ext cx="10225275" cy="14749302"/>
           </a:xfrm>
         </p:spPr>
         <p:txBody>
@@ -2599,8 +2599,8 @@
         </p:nvSpPr>
         <p:spPr>
           <a:xfrm>
-            <a:off x="914567" y="2712409"/>
-            <a:ext cx="6017671" cy="8866326"/>
+            <a:off x="914570" y="3616324"/>
+            <a:ext cx="6017671" cy="11821044"/>
           </a:xfrm>
         </p:spPr>
         <p:txBody>
@@ -2670,7 +2670,7 @@
             <a:fld id="{1D8BD707-D9CF-40AE-B4C6-C98DA3205C09}" type="datetimeFigureOut">
               <a:rPr lang="en-US" smtClean="0"/>
               <a:pPr/>
-              <a:t>4/30/2015</a:t>
+              <a:t>9/25/2015</a:t>
             </a:fld>
             <a:endParaRPr lang="en-US"/>
           </a:p>
@@ -2756,8 +2756,8 @@
         </p:nvSpPr>
         <p:spPr>
           <a:xfrm>
-            <a:off x="3585205" y="9073358"/>
-            <a:ext cx="10974705" cy="1071161"/>
+            <a:off x="3585208" y="12097071"/>
+            <a:ext cx="10974705" cy="1428128"/>
           </a:xfrm>
         </p:spPr>
         <p:txBody>
@@ -2788,8 +2788,8 @@
         </p:nvSpPr>
         <p:spPr>
           <a:xfrm>
-            <a:off x="3585205" y="1158174"/>
-            <a:ext cx="10974705" cy="7777163"/>
+            <a:off x="3585208" y="1544139"/>
+            <a:ext cx="10974705" cy="10368915"/>
           </a:xfrm>
         </p:spPr>
         <p:txBody>
@@ -2849,8 +2849,8 @@
         </p:nvSpPr>
         <p:spPr>
           <a:xfrm>
-            <a:off x="3585205" y="10144519"/>
-            <a:ext cx="10974705" cy="1521228"/>
+            <a:off x="3585208" y="13525197"/>
+            <a:ext cx="10974705" cy="2028180"/>
           </a:xfrm>
         </p:spPr>
         <p:txBody>
@@ -2920,7 +2920,7 @@
             <a:fld id="{1D8BD707-D9CF-40AE-B4C6-C98DA3205C09}" type="datetimeFigureOut">
               <a:rPr lang="en-US" smtClean="0"/>
               <a:pPr/>
-              <a:t>4/30/2015</a:t>
+              <a:t>9/25/2015</a:t>
             </a:fld>
             <a:endParaRPr lang="en-US"/>
           </a:p>
@@ -3011,8 +3011,8 @@
         </p:nvSpPr>
         <p:spPr>
           <a:xfrm>
-            <a:off x="914559" y="519081"/>
-            <a:ext cx="16462058" cy="2160323"/>
+            <a:off x="914559" y="692066"/>
+            <a:ext cx="16462058" cy="2880255"/>
           </a:xfrm>
           <a:prstGeom prst="rect">
             <a:avLst/>
@@ -3044,8 +3044,8 @@
         </p:nvSpPr>
         <p:spPr>
           <a:xfrm>
-            <a:off x="914559" y="3024456"/>
-            <a:ext cx="16462058" cy="8554281"/>
+            <a:off x="914559" y="4032363"/>
+            <a:ext cx="16462058" cy="11405008"/>
           </a:xfrm>
           <a:prstGeom prst="rect">
             <a:avLst/>
@@ -3106,8 +3106,8 @@
         </p:nvSpPr>
         <p:spPr>
           <a:xfrm>
-            <a:off x="914559" y="12013801"/>
-            <a:ext cx="4267941" cy="690104"/>
+            <a:off x="914559" y="16017420"/>
+            <a:ext cx="4267941" cy="920081"/>
           </a:xfrm>
           <a:prstGeom prst="rect">
             <a:avLst/>
@@ -3130,7 +3130,7 @@
             <a:fld id="{1D8BD707-D9CF-40AE-B4C6-C98DA3205C09}" type="datetimeFigureOut">
               <a:rPr lang="en-US" smtClean="0"/>
               <a:pPr/>
-              <a:t>4/30/2015</a:t>
+              <a:t>9/25/2015</a:t>
             </a:fld>
             <a:endParaRPr lang="en-US"/>
           </a:p>
@@ -3148,8 +3148,8 @@
         </p:nvSpPr>
         <p:spPr>
           <a:xfrm>
-            <a:off x="6249492" y="12013801"/>
-            <a:ext cx="5792205" cy="690104"/>
+            <a:off x="6249495" y="16017420"/>
+            <a:ext cx="5792205" cy="920081"/>
           </a:xfrm>
           <a:prstGeom prst="rect">
             <a:avLst/>
@@ -3185,8 +3185,8 @@
         </p:nvSpPr>
         <p:spPr>
           <a:xfrm>
-            <a:off x="13108682" y="12013801"/>
-            <a:ext cx="4267941" cy="690104"/>
+            <a:off x="13108685" y="16017420"/>
+            <a:ext cx="4267941" cy="920081"/>
           </a:xfrm>
           <a:prstGeom prst="rect">
             <a:avLst/>
@@ -3503,231 +3503,14 @@
       </p:grpSpPr>
       <p:sp>
         <p:nvSpPr>
-          <p:cNvPr id="131" name="Freeform 130"/>
+          <p:cNvPr id="57" name="Freeform 56"/>
           <p:cNvSpPr/>
           <p:nvPr/>
         </p:nvSpPr>
         <p:spPr>
           <a:xfrm>
-            <a:off x="1727085" y="8457704"/>
-            <a:ext cx="2922702" cy="3433465"/>
-          </a:xfrm>
-          <a:custGeom>
-            <a:avLst/>
-            <a:gdLst>
-              <a:gd name="connsiteX0" fmla="*/ 0 w 2616200"/>
-              <a:gd name="connsiteY0" fmla="*/ 1435100 h 3073400"/>
-              <a:gd name="connsiteX1" fmla="*/ 203200 w 2616200"/>
-              <a:gd name="connsiteY1" fmla="*/ 1816100 h 3073400"/>
-              <a:gd name="connsiteX2" fmla="*/ 774700 w 2616200"/>
-              <a:gd name="connsiteY2" fmla="*/ 1752600 h 3073400"/>
-              <a:gd name="connsiteX3" fmla="*/ 736600 w 2616200"/>
-              <a:gd name="connsiteY3" fmla="*/ 2247900 h 3073400"/>
-              <a:gd name="connsiteX4" fmla="*/ 1663700 w 2616200"/>
-              <a:gd name="connsiteY4" fmla="*/ 3073400 h 3073400"/>
-              <a:gd name="connsiteX5" fmla="*/ 2184400 w 2616200"/>
-              <a:gd name="connsiteY5" fmla="*/ 2514600 h 3073400"/>
-              <a:gd name="connsiteX6" fmla="*/ 1587500 w 2616200"/>
-              <a:gd name="connsiteY6" fmla="*/ 2120900 h 3073400"/>
-              <a:gd name="connsiteX7" fmla="*/ 2120900 w 2616200"/>
-              <a:gd name="connsiteY7" fmla="*/ 1511300 h 3073400"/>
-              <a:gd name="connsiteX8" fmla="*/ 2501900 w 2616200"/>
-              <a:gd name="connsiteY8" fmla="*/ 1841500 h 3073400"/>
-              <a:gd name="connsiteX9" fmla="*/ 2616200 w 2616200"/>
-              <a:gd name="connsiteY9" fmla="*/ 1651000 h 3073400"/>
-              <a:gd name="connsiteX10" fmla="*/ 1905000 w 2616200"/>
-              <a:gd name="connsiteY10" fmla="*/ 1028700 h 3073400"/>
-              <a:gd name="connsiteX11" fmla="*/ 2120900 w 2616200"/>
-              <a:gd name="connsiteY11" fmla="*/ 457200 h 3073400"/>
-              <a:gd name="connsiteX12" fmla="*/ 2298700 w 2616200"/>
-              <a:gd name="connsiteY12" fmla="*/ 368300 h 3073400"/>
-              <a:gd name="connsiteX13" fmla="*/ 1866900 w 2616200"/>
-              <a:gd name="connsiteY13" fmla="*/ 0 h 3073400"/>
-              <a:gd name="connsiteX14" fmla="*/ 1498600 w 2616200"/>
-              <a:gd name="connsiteY14" fmla="*/ 254000 h 3073400"/>
-              <a:gd name="connsiteX15" fmla="*/ 977900 w 2616200"/>
-              <a:gd name="connsiteY15" fmla="*/ 647700 h 3073400"/>
-              <a:gd name="connsiteX16" fmla="*/ 1371600 w 2616200"/>
-              <a:gd name="connsiteY16" fmla="*/ 1231900 h 3073400"/>
-              <a:gd name="connsiteX17" fmla="*/ 1066800 w 2616200"/>
-              <a:gd name="connsiteY17" fmla="*/ 1384300 h 3073400"/>
-              <a:gd name="connsiteX18" fmla="*/ 317500 w 2616200"/>
-              <a:gd name="connsiteY18" fmla="*/ 1016000 h 3073400"/>
-              <a:gd name="connsiteX19" fmla="*/ 0 w 2616200"/>
-              <a:gd name="connsiteY19" fmla="*/ 1435100 h 3073400"/>
-            </a:gdLst>
-            <a:ahLst/>
-            <a:cxnLst>
-              <a:cxn ang="0">
-                <a:pos x="connsiteX0" y="connsiteY0"/>
-              </a:cxn>
-              <a:cxn ang="0">
-                <a:pos x="connsiteX1" y="connsiteY1"/>
-              </a:cxn>
-              <a:cxn ang="0">
-                <a:pos x="connsiteX2" y="connsiteY2"/>
-              </a:cxn>
-              <a:cxn ang="0">
-                <a:pos x="connsiteX3" y="connsiteY3"/>
-              </a:cxn>
-              <a:cxn ang="0">
-                <a:pos x="connsiteX4" y="connsiteY4"/>
-              </a:cxn>
-              <a:cxn ang="0">
-                <a:pos x="connsiteX5" y="connsiteY5"/>
-              </a:cxn>
-              <a:cxn ang="0">
-                <a:pos x="connsiteX6" y="connsiteY6"/>
-              </a:cxn>
-              <a:cxn ang="0">
-                <a:pos x="connsiteX7" y="connsiteY7"/>
-              </a:cxn>
-              <a:cxn ang="0">
-                <a:pos x="connsiteX8" y="connsiteY8"/>
-              </a:cxn>
-              <a:cxn ang="0">
-                <a:pos x="connsiteX9" y="connsiteY9"/>
-              </a:cxn>
-              <a:cxn ang="0">
-                <a:pos x="connsiteX10" y="connsiteY10"/>
-              </a:cxn>
-              <a:cxn ang="0">
-                <a:pos x="connsiteX11" y="connsiteY11"/>
-              </a:cxn>
-              <a:cxn ang="0">
-                <a:pos x="connsiteX12" y="connsiteY12"/>
-              </a:cxn>
-              <a:cxn ang="0">
-                <a:pos x="connsiteX13" y="connsiteY13"/>
-              </a:cxn>
-              <a:cxn ang="0">
-                <a:pos x="connsiteX14" y="connsiteY14"/>
-              </a:cxn>
-              <a:cxn ang="0">
-                <a:pos x="connsiteX15" y="connsiteY15"/>
-              </a:cxn>
-              <a:cxn ang="0">
-                <a:pos x="connsiteX16" y="connsiteY16"/>
-              </a:cxn>
-              <a:cxn ang="0">
-                <a:pos x="connsiteX17" y="connsiteY17"/>
-              </a:cxn>
-              <a:cxn ang="0">
-                <a:pos x="connsiteX18" y="connsiteY18"/>
-              </a:cxn>
-              <a:cxn ang="0">
-                <a:pos x="connsiteX19" y="connsiteY19"/>
-              </a:cxn>
-            </a:cxnLst>
-            <a:rect l="l" t="t" r="r" b="b"/>
-            <a:pathLst>
-              <a:path w="2616200" h="3073400">
-                <a:moveTo>
-                  <a:pt x="0" y="1435100"/>
-                </a:moveTo>
-                <a:lnTo>
-                  <a:pt x="203200" y="1816100"/>
-                </a:lnTo>
-                <a:lnTo>
-                  <a:pt x="774700" y="1752600"/>
-                </a:lnTo>
-                <a:lnTo>
-                  <a:pt x="736600" y="2247900"/>
-                </a:lnTo>
-                <a:lnTo>
-                  <a:pt x="1663700" y="3073400"/>
-                </a:lnTo>
-                <a:lnTo>
-                  <a:pt x="2184400" y="2514600"/>
-                </a:lnTo>
-                <a:lnTo>
-                  <a:pt x="1587500" y="2120900"/>
-                </a:lnTo>
-                <a:lnTo>
-                  <a:pt x="2120900" y="1511300"/>
-                </a:lnTo>
-                <a:lnTo>
-                  <a:pt x="2501900" y="1841500"/>
-                </a:lnTo>
-                <a:lnTo>
-                  <a:pt x="2616200" y="1651000"/>
-                </a:lnTo>
-                <a:lnTo>
-                  <a:pt x="1905000" y="1028700"/>
-                </a:lnTo>
-                <a:lnTo>
-                  <a:pt x="2120900" y="457200"/>
-                </a:lnTo>
-                <a:lnTo>
-                  <a:pt x="2298700" y="368300"/>
-                </a:lnTo>
-                <a:lnTo>
-                  <a:pt x="1866900" y="0"/>
-                </a:lnTo>
-                <a:lnTo>
-                  <a:pt x="1498600" y="254000"/>
-                </a:lnTo>
-                <a:lnTo>
-                  <a:pt x="977900" y="647700"/>
-                </a:lnTo>
-                <a:lnTo>
-                  <a:pt x="1371600" y="1231900"/>
-                </a:lnTo>
-                <a:lnTo>
-                  <a:pt x="1066800" y="1384300"/>
-                </a:lnTo>
-                <a:lnTo>
-                  <a:pt x="317500" y="1016000"/>
-                </a:lnTo>
-                <a:lnTo>
-                  <a:pt x="0" y="1435100"/>
-                </a:lnTo>
-                <a:close/>
-              </a:path>
-            </a:pathLst>
-          </a:custGeom>
-          <a:solidFill>
-            <a:schemeClr val="tx1"/>
-          </a:solidFill>
-          <a:ln>
-            <a:noFill/>
-          </a:ln>
-        </p:spPr>
-        <p:style>
-          <a:lnRef idx="2">
-            <a:schemeClr val="accent1">
-              <a:shade val="50000"/>
-            </a:schemeClr>
-          </a:lnRef>
-          <a:fillRef idx="1">
-            <a:schemeClr val="accent1"/>
-          </a:fillRef>
-          <a:effectRef idx="0">
-            <a:schemeClr val="accent1"/>
-          </a:effectRef>
-          <a:fontRef idx="minor">
-            <a:schemeClr val="lt1"/>
-          </a:fontRef>
-        </p:style>
-        <p:txBody>
-          <a:bodyPr rtlCol="0" anchor="ctr"/>
-          <a:lstStyle/>
-          <a:p>
-            <a:pPr algn="ctr"/>
-            <a:endParaRPr kumimoji="1" lang="ja-JP" altLang="en-US"/>
-          </a:p>
-        </p:txBody>
-      </p:sp>
-      <p:sp>
-        <p:nvSpPr>
-          <p:cNvPr id="132" name="Freeform 131"/>
-          <p:cNvSpPr/>
-          <p:nvPr/>
-        </p:nvSpPr>
-        <p:spPr>
-          <a:xfrm>
-            <a:off x="1855787" y="5033169"/>
-            <a:ext cx="3860800" cy="2476500"/>
+            <a:off x="1186789" y="6104780"/>
+            <a:ext cx="4453598" cy="2856749"/>
           </a:xfrm>
           <a:custGeom>
             <a:avLst/>
@@ -3897,13 +3680,13 @@
       </p:sp>
       <p:sp>
         <p:nvSpPr>
-          <p:cNvPr id="133" name="Freeform 132"/>
+          <p:cNvPr id="58" name="Freeform 57"/>
           <p:cNvSpPr/>
           <p:nvPr/>
         </p:nvSpPr>
         <p:spPr>
           <a:xfrm>
-            <a:off x="1055686" y="918369"/>
+            <a:off x="1055686" y="1223169"/>
             <a:ext cx="4266239" cy="3124200"/>
           </a:xfrm>
           <a:custGeom>
@@ -4001,7 +3784,7 @@
       </p:sp>
       <p:pic>
         <p:nvPicPr>
-          <p:cNvPr id="134" name="Picture 2" descr="C:\Users\satos_000\Desktop\Petty\ScreenShot\2015y04m26d_191730596.png"/>
+          <p:cNvPr id="59" name="Picture 2" descr="C:\Users\satos_000\Desktop\Petty\ScreenShot\2015y04m26d_191730596.png"/>
           <p:cNvPicPr>
             <a:picLocks noChangeAspect="1" noChangeArrowheads="1"/>
           </p:cNvPicPr>
@@ -4032,7 +3815,7 @@
         </p:blipFill>
         <p:spPr bwMode="auto">
           <a:xfrm>
-            <a:off x="-25400" y="-1"/>
+            <a:off x="-25400" y="304799"/>
             <a:ext cx="6896212" cy="4804569"/>
           </a:xfrm>
           <a:prstGeom prst="rect">
@@ -4052,7 +3835,7 @@
       </p:pic>
       <p:pic>
         <p:nvPicPr>
-          <p:cNvPr id="135" name="Picture 3" descr="C:\Users\satos_000\Desktop\Petty\ScreenShot\2015y04m26d_191438987.png"/>
+          <p:cNvPr id="60" name="Picture 3" descr="C:\Users\satos_000\Desktop\Petty\ScreenShot\2015y04m26d_191438987.png"/>
           <p:cNvPicPr>
             <a:picLocks noChangeAspect="1" noChangeArrowheads="1"/>
           </p:cNvPicPr>
@@ -4083,7 +3866,7 @@
         </p:blipFill>
         <p:spPr bwMode="auto">
           <a:xfrm>
-            <a:off x="5945187" y="-1"/>
+            <a:off x="5945187" y="304799"/>
             <a:ext cx="6896212" cy="4804569"/>
           </a:xfrm>
           <a:prstGeom prst="rect">
@@ -4103,7 +3886,7 @@
       </p:pic>
       <p:pic>
         <p:nvPicPr>
-          <p:cNvPr id="136" name="Picture 4" descr="C:\Users\satos_000\Desktop\Petty\ScreenShot\2015y04m26d_191604883.png"/>
+          <p:cNvPr id="61" name="Picture 4" descr="C:\Users\satos_000\Desktop\Petty\ScreenShot\2015y04m26d_191604883.png"/>
           <p:cNvPicPr>
             <a:picLocks noChangeAspect="1" noChangeArrowheads="1"/>
           </p:cNvPicPr>
@@ -4134,7 +3917,7 @@
         </p:blipFill>
         <p:spPr bwMode="auto">
           <a:xfrm>
-            <a:off x="12117387" y="-1"/>
+            <a:off x="12117387" y="304799"/>
             <a:ext cx="6896212" cy="4804569"/>
           </a:xfrm>
           <a:prstGeom prst="rect">
@@ -4154,13 +3937,13 @@
       </p:pic>
       <p:sp>
         <p:nvSpPr>
-          <p:cNvPr id="137" name="TextBox 136"/>
+          <p:cNvPr id="62" name="TextBox 61"/>
           <p:cNvSpPr txBox="1"/>
           <p:nvPr/>
         </p:nvSpPr>
         <p:spPr>
           <a:xfrm>
-            <a:off x="2423564" y="12496304"/>
+            <a:off x="2423564" y="16484897"/>
             <a:ext cx="1388023" cy="461665"/>
           </a:xfrm>
           <a:prstGeom prst="rect">
@@ -4190,13 +3973,13 @@
       </p:sp>
       <p:sp>
         <p:nvSpPr>
-          <p:cNvPr id="138" name="TextBox 137"/>
+          <p:cNvPr id="63" name="TextBox 62"/>
           <p:cNvSpPr txBox="1"/>
           <p:nvPr/>
         </p:nvSpPr>
         <p:spPr>
           <a:xfrm>
-            <a:off x="7702932" y="12496304"/>
+            <a:off x="7702932" y="16484897"/>
             <a:ext cx="3500055" cy="461665"/>
           </a:xfrm>
           <a:prstGeom prst="rect">
@@ -4240,13 +4023,13 @@
       </p:sp>
       <p:sp>
         <p:nvSpPr>
-          <p:cNvPr id="139" name="TextBox 138"/>
+          <p:cNvPr id="64" name="TextBox 63"/>
           <p:cNvSpPr txBox="1"/>
           <p:nvPr/>
         </p:nvSpPr>
         <p:spPr>
           <a:xfrm>
-            <a:off x="13875132" y="12496304"/>
+            <a:off x="13875132" y="16484897"/>
             <a:ext cx="3500055" cy="461665"/>
           </a:xfrm>
           <a:prstGeom prst="rect">
@@ -4290,7 +4073,7 @@
       </p:sp>
       <p:pic>
         <p:nvPicPr>
-          <p:cNvPr id="140" name="Picture 6" descr="C:\Users\satos_000\Desktop\Petty\ScreenShot\2015y04m26d_213440941.png"/>
+          <p:cNvPr id="65" name="Picture 6" descr="C:\Users\satos_000\Desktop\Petty\ScreenShot\2015y04m26d_213440941.png"/>
           <p:cNvPicPr>
             <a:picLocks noChangeAspect="1" noChangeArrowheads="1"/>
           </p:cNvPicPr>
@@ -4321,8 +4104,8 @@
         </p:blipFill>
         <p:spPr bwMode="auto">
           <a:xfrm>
-            <a:off x="-6350" y="3386088"/>
-            <a:ext cx="6896212" cy="4804569"/>
+            <a:off x="-1141413" y="4754562"/>
+            <a:ext cx="7955075" cy="5542275"/>
           </a:xfrm>
           <a:prstGeom prst="rect">
             <a:avLst/>
@@ -4341,7 +4124,7 @@
       </p:pic>
       <p:pic>
         <p:nvPicPr>
-          <p:cNvPr id="141" name="Picture 7" descr="C:\Users\satos_000\Desktop\Petty\ScreenShot\2015y04m26d_213503223.png"/>
+          <p:cNvPr id="66" name="Picture 7" descr="C:\Users\satos_000\Desktop\Petty\ScreenShot\2015y04m26d_213503223.png"/>
           <p:cNvPicPr>
             <a:picLocks noChangeAspect="1" noChangeArrowheads="1"/>
           </p:cNvPicPr>
@@ -4372,8 +4155,8 @@
         </p:blipFill>
         <p:spPr bwMode="auto">
           <a:xfrm>
-            <a:off x="6398354" y="3792200"/>
-            <a:ext cx="6332777" cy="4421476"/>
+            <a:off x="5349802" y="5160674"/>
+            <a:ext cx="7305129" cy="5100362"/>
           </a:xfrm>
           <a:prstGeom prst="rect">
             <a:avLst/>
@@ -4392,7 +4175,7 @@
       </p:pic>
       <p:pic>
         <p:nvPicPr>
-          <p:cNvPr id="142" name="Picture 8" descr="C:\Users\satos_000\Desktop\Petty\ScreenShot\2015y04m26d_213728634.png"/>
+          <p:cNvPr id="67" name="Picture 8" descr="C:\Users\satos_000\Desktop\Petty\ScreenShot\2015y04m26d_213728634.png"/>
           <p:cNvPicPr>
             <a:picLocks noChangeAspect="1" noChangeArrowheads="1"/>
           </p:cNvPicPr>
@@ -4423,8 +4206,8 @@
         </p:blipFill>
         <p:spPr bwMode="auto">
           <a:xfrm>
-            <a:off x="12517437" y="3677775"/>
-            <a:ext cx="6473275" cy="4519570"/>
+            <a:off x="11447313" y="5046248"/>
+            <a:ext cx="7467199" cy="5213517"/>
           </a:xfrm>
           <a:prstGeom prst="rect">
             <a:avLst/>
@@ -4441,60 +4224,292 @@
           </a:extLst>
         </p:spPr>
       </p:pic>
+      <p:grpSp>
+        <p:nvGrpSpPr>
+          <p:cNvPr id="68" name="Group 67"/>
+          <p:cNvGrpSpPr/>
+          <p:nvPr/>
+        </p:nvGrpSpPr>
+        <p:grpSpPr>
+          <a:xfrm>
+            <a:off x="-684213" y="9839111"/>
+            <a:ext cx="9525000" cy="6650251"/>
+            <a:chOff x="3091137" y="9010954"/>
+            <a:chExt cx="6816450" cy="4759171"/>
+          </a:xfrm>
+        </p:grpSpPr>
+        <p:sp>
+          <p:nvSpPr>
+            <p:cNvPr id="69" name="Freeform 68"/>
+            <p:cNvSpPr/>
+            <p:nvPr/>
+          </p:nvSpPr>
+          <p:spPr>
+            <a:xfrm>
+              <a:off x="4722047" y="9772947"/>
+              <a:ext cx="2922702" cy="3433465"/>
+            </a:xfrm>
+            <a:custGeom>
+              <a:avLst/>
+              <a:gdLst>
+                <a:gd name="connsiteX0" fmla="*/ 0 w 2616200"/>
+                <a:gd name="connsiteY0" fmla="*/ 1435100 h 3073400"/>
+                <a:gd name="connsiteX1" fmla="*/ 203200 w 2616200"/>
+                <a:gd name="connsiteY1" fmla="*/ 1816100 h 3073400"/>
+                <a:gd name="connsiteX2" fmla="*/ 774700 w 2616200"/>
+                <a:gd name="connsiteY2" fmla="*/ 1752600 h 3073400"/>
+                <a:gd name="connsiteX3" fmla="*/ 736600 w 2616200"/>
+                <a:gd name="connsiteY3" fmla="*/ 2247900 h 3073400"/>
+                <a:gd name="connsiteX4" fmla="*/ 1663700 w 2616200"/>
+                <a:gd name="connsiteY4" fmla="*/ 3073400 h 3073400"/>
+                <a:gd name="connsiteX5" fmla="*/ 2184400 w 2616200"/>
+                <a:gd name="connsiteY5" fmla="*/ 2514600 h 3073400"/>
+                <a:gd name="connsiteX6" fmla="*/ 1587500 w 2616200"/>
+                <a:gd name="connsiteY6" fmla="*/ 2120900 h 3073400"/>
+                <a:gd name="connsiteX7" fmla="*/ 2120900 w 2616200"/>
+                <a:gd name="connsiteY7" fmla="*/ 1511300 h 3073400"/>
+                <a:gd name="connsiteX8" fmla="*/ 2501900 w 2616200"/>
+                <a:gd name="connsiteY8" fmla="*/ 1841500 h 3073400"/>
+                <a:gd name="connsiteX9" fmla="*/ 2616200 w 2616200"/>
+                <a:gd name="connsiteY9" fmla="*/ 1651000 h 3073400"/>
+                <a:gd name="connsiteX10" fmla="*/ 1905000 w 2616200"/>
+                <a:gd name="connsiteY10" fmla="*/ 1028700 h 3073400"/>
+                <a:gd name="connsiteX11" fmla="*/ 2120900 w 2616200"/>
+                <a:gd name="connsiteY11" fmla="*/ 457200 h 3073400"/>
+                <a:gd name="connsiteX12" fmla="*/ 2298700 w 2616200"/>
+                <a:gd name="connsiteY12" fmla="*/ 368300 h 3073400"/>
+                <a:gd name="connsiteX13" fmla="*/ 1866900 w 2616200"/>
+                <a:gd name="connsiteY13" fmla="*/ 0 h 3073400"/>
+                <a:gd name="connsiteX14" fmla="*/ 1498600 w 2616200"/>
+                <a:gd name="connsiteY14" fmla="*/ 254000 h 3073400"/>
+                <a:gd name="connsiteX15" fmla="*/ 977900 w 2616200"/>
+                <a:gd name="connsiteY15" fmla="*/ 647700 h 3073400"/>
+                <a:gd name="connsiteX16" fmla="*/ 1371600 w 2616200"/>
+                <a:gd name="connsiteY16" fmla="*/ 1231900 h 3073400"/>
+                <a:gd name="connsiteX17" fmla="*/ 1066800 w 2616200"/>
+                <a:gd name="connsiteY17" fmla="*/ 1384300 h 3073400"/>
+                <a:gd name="connsiteX18" fmla="*/ 317500 w 2616200"/>
+                <a:gd name="connsiteY18" fmla="*/ 1016000 h 3073400"/>
+                <a:gd name="connsiteX19" fmla="*/ 0 w 2616200"/>
+                <a:gd name="connsiteY19" fmla="*/ 1435100 h 3073400"/>
+              </a:gdLst>
+              <a:ahLst/>
+              <a:cxnLst>
+                <a:cxn ang="0">
+                  <a:pos x="connsiteX0" y="connsiteY0"/>
+                </a:cxn>
+                <a:cxn ang="0">
+                  <a:pos x="connsiteX1" y="connsiteY1"/>
+                </a:cxn>
+                <a:cxn ang="0">
+                  <a:pos x="connsiteX2" y="connsiteY2"/>
+                </a:cxn>
+                <a:cxn ang="0">
+                  <a:pos x="connsiteX3" y="connsiteY3"/>
+                </a:cxn>
+                <a:cxn ang="0">
+                  <a:pos x="connsiteX4" y="connsiteY4"/>
+                </a:cxn>
+                <a:cxn ang="0">
+                  <a:pos x="connsiteX5" y="connsiteY5"/>
+                </a:cxn>
+                <a:cxn ang="0">
+                  <a:pos x="connsiteX6" y="connsiteY6"/>
+                </a:cxn>
+                <a:cxn ang="0">
+                  <a:pos x="connsiteX7" y="connsiteY7"/>
+                </a:cxn>
+                <a:cxn ang="0">
+                  <a:pos x="connsiteX8" y="connsiteY8"/>
+                </a:cxn>
+                <a:cxn ang="0">
+                  <a:pos x="connsiteX9" y="connsiteY9"/>
+                </a:cxn>
+                <a:cxn ang="0">
+                  <a:pos x="connsiteX10" y="connsiteY10"/>
+                </a:cxn>
+                <a:cxn ang="0">
+                  <a:pos x="connsiteX11" y="connsiteY11"/>
+                </a:cxn>
+                <a:cxn ang="0">
+                  <a:pos x="connsiteX12" y="connsiteY12"/>
+                </a:cxn>
+                <a:cxn ang="0">
+                  <a:pos x="connsiteX13" y="connsiteY13"/>
+                </a:cxn>
+                <a:cxn ang="0">
+                  <a:pos x="connsiteX14" y="connsiteY14"/>
+                </a:cxn>
+                <a:cxn ang="0">
+                  <a:pos x="connsiteX15" y="connsiteY15"/>
+                </a:cxn>
+                <a:cxn ang="0">
+                  <a:pos x="connsiteX16" y="connsiteY16"/>
+                </a:cxn>
+                <a:cxn ang="0">
+                  <a:pos x="connsiteX17" y="connsiteY17"/>
+                </a:cxn>
+                <a:cxn ang="0">
+                  <a:pos x="connsiteX18" y="connsiteY18"/>
+                </a:cxn>
+                <a:cxn ang="0">
+                  <a:pos x="connsiteX19" y="connsiteY19"/>
+                </a:cxn>
+              </a:cxnLst>
+              <a:rect l="l" t="t" r="r" b="b"/>
+              <a:pathLst>
+                <a:path w="2616200" h="3073400">
+                  <a:moveTo>
+                    <a:pt x="0" y="1435100"/>
+                  </a:moveTo>
+                  <a:lnTo>
+                    <a:pt x="203200" y="1816100"/>
+                  </a:lnTo>
+                  <a:lnTo>
+                    <a:pt x="774700" y="1752600"/>
+                  </a:lnTo>
+                  <a:lnTo>
+                    <a:pt x="736600" y="2247900"/>
+                  </a:lnTo>
+                  <a:lnTo>
+                    <a:pt x="1663700" y="3073400"/>
+                  </a:lnTo>
+                  <a:lnTo>
+                    <a:pt x="2184400" y="2514600"/>
+                  </a:lnTo>
+                  <a:lnTo>
+                    <a:pt x="1587500" y="2120900"/>
+                  </a:lnTo>
+                  <a:lnTo>
+                    <a:pt x="2120900" y="1511300"/>
+                  </a:lnTo>
+                  <a:lnTo>
+                    <a:pt x="2501900" y="1841500"/>
+                  </a:lnTo>
+                  <a:lnTo>
+                    <a:pt x="2616200" y="1651000"/>
+                  </a:lnTo>
+                  <a:lnTo>
+                    <a:pt x="1905000" y="1028700"/>
+                  </a:lnTo>
+                  <a:lnTo>
+                    <a:pt x="2120900" y="457200"/>
+                  </a:lnTo>
+                  <a:lnTo>
+                    <a:pt x="2298700" y="368300"/>
+                  </a:lnTo>
+                  <a:lnTo>
+                    <a:pt x="1866900" y="0"/>
+                  </a:lnTo>
+                  <a:lnTo>
+                    <a:pt x="1498600" y="254000"/>
+                  </a:lnTo>
+                  <a:lnTo>
+                    <a:pt x="977900" y="647700"/>
+                  </a:lnTo>
+                  <a:lnTo>
+                    <a:pt x="1371600" y="1231900"/>
+                  </a:lnTo>
+                  <a:lnTo>
+                    <a:pt x="1066800" y="1384300"/>
+                  </a:lnTo>
+                  <a:lnTo>
+                    <a:pt x="317500" y="1016000"/>
+                  </a:lnTo>
+                  <a:lnTo>
+                    <a:pt x="0" y="1435100"/>
+                  </a:lnTo>
+                  <a:close/>
+                </a:path>
+              </a:pathLst>
+            </a:custGeom>
+            <a:solidFill>
+              <a:schemeClr val="tx1"/>
+            </a:solidFill>
+            <a:ln>
+              <a:noFill/>
+            </a:ln>
+          </p:spPr>
+          <p:style>
+            <a:lnRef idx="2">
+              <a:schemeClr val="accent1">
+                <a:shade val="50000"/>
+              </a:schemeClr>
+            </a:lnRef>
+            <a:fillRef idx="1">
+              <a:schemeClr val="accent1"/>
+            </a:fillRef>
+            <a:effectRef idx="0">
+              <a:schemeClr val="accent1"/>
+            </a:effectRef>
+            <a:fontRef idx="minor">
+              <a:schemeClr val="lt1"/>
+            </a:fontRef>
+          </p:style>
+          <p:txBody>
+            <a:bodyPr rtlCol="0" anchor="ctr"/>
+            <a:lstStyle/>
+            <a:p>
+              <a:pPr algn="ctr"/>
+              <a:endParaRPr kumimoji="1" lang="ja-JP" altLang="en-US"/>
+            </a:p>
+          </p:txBody>
+        </p:sp>
+        <p:pic>
+          <p:nvPicPr>
+            <p:cNvPr id="70" name="Picture 12" descr="C:\Users\satos_000\Desktop\Petty\ScreenShot\2015y04m26d_214926593.png"/>
+            <p:cNvPicPr>
+              <a:picLocks noChangeAspect="1" noChangeArrowheads="1"/>
+            </p:cNvPicPr>
+            <p:nvPr/>
+          </p:nvPicPr>
+          <p:blipFill>
+            <a:blip r:embed="rId9" cstate="email">
+              <a:clrChange>
+                <a:clrFrom>
+                  <a:srgbClr val="010101"/>
+                </a:clrFrom>
+                <a:clrTo>
+                  <a:srgbClr val="010101">
+                    <a:alpha val="0"/>
+                  </a:srgbClr>
+                </a:clrTo>
+              </a:clrChange>
+              <a:extLst>
+                <a:ext uri="{28A0092B-C50C-407E-A947-70E740481C1C}">
+                  <a14:useLocalDpi xmlns:a14="http://schemas.microsoft.com/office/drawing/2010/main" val="0"/>
+                </a:ext>
+              </a:extLst>
+            </a:blip>
+            <a:srcRect/>
+            <a:stretch>
+              <a:fillRect/>
+            </a:stretch>
+          </p:blipFill>
+          <p:spPr bwMode="auto">
+            <a:xfrm>
+              <a:off x="3091137" y="9010954"/>
+              <a:ext cx="6816450" cy="4759171"/>
+            </a:xfrm>
+            <a:prstGeom prst="rect">
+              <a:avLst/>
+            </a:prstGeom>
+            <a:noFill/>
+            <a:extLst>
+              <a:ext uri="{909E8E84-426E-40DD-AFC4-6F175D3DCCD1}">
+                <a14:hiddenFill xmlns:a14="http://schemas.microsoft.com/office/drawing/2010/main">
+                  <a:solidFill>
+                    <a:srgbClr val="FFFFFF"/>
+                  </a:solidFill>
+                </a14:hiddenFill>
+              </a:ext>
+            </a:extLst>
+          </p:spPr>
+        </p:pic>
+      </p:grpSp>
       <p:pic>
         <p:nvPicPr>
-          <p:cNvPr id="143" name="Picture 12" descr="C:\Users\satos_000\Desktop\Petty\ScreenShot\2015y04m26d_214926593.png"/>
-          <p:cNvPicPr>
-            <a:picLocks noChangeAspect="1" noChangeArrowheads="1"/>
-          </p:cNvPicPr>
-          <p:nvPr/>
-        </p:nvPicPr>
-        <p:blipFill>
-          <a:blip r:embed="rId9" cstate="email">
-            <a:clrChange>
-              <a:clrFrom>
-                <a:srgbClr val="010101"/>
-              </a:clrFrom>
-              <a:clrTo>
-                <a:srgbClr val="010101">
-                  <a:alpha val="0"/>
-                </a:srgbClr>
-              </a:clrTo>
-            </a:clrChange>
-            <a:extLst>
-              <a:ext uri="{28A0092B-C50C-407E-A947-70E740481C1C}">
-                <a14:useLocalDpi xmlns:a14="http://schemas.microsoft.com/office/drawing/2010/main" val="0"/>
-              </a:ext>
-            </a:extLst>
-          </a:blip>
-          <a:srcRect/>
-          <a:stretch>
-            <a:fillRect/>
-          </a:stretch>
-        </p:blipFill>
-        <p:spPr bwMode="auto">
-          <a:xfrm>
-            <a:off x="96175" y="7695711"/>
-            <a:ext cx="6816450" cy="4759171"/>
-          </a:xfrm>
-          <a:prstGeom prst="rect">
-            <a:avLst/>
-          </a:prstGeom>
-          <a:noFill/>
-          <a:extLst>
-            <a:ext uri="{909E8E84-426E-40DD-AFC4-6F175D3DCCD1}">
-              <a14:hiddenFill xmlns:a14="http://schemas.microsoft.com/office/drawing/2010/main">
-                <a:solidFill>
-                  <a:srgbClr val="FFFFFF"/>
-                </a:solidFill>
-              </a14:hiddenFill>
-            </a:ext>
-          </a:extLst>
-        </p:spPr>
-      </p:pic>
-      <p:pic>
-        <p:nvPicPr>
-          <p:cNvPr id="144" name="Picture 13" descr="C:\Users\satos_000\Desktop\Petty\ScreenShot\2015y04m26d_214940291.png"/>
+          <p:cNvPr id="71" name="Picture 13" descr="C:\Users\satos_000\Desktop\Petty\ScreenShot\2015y04m26d_214940291.png"/>
           <p:cNvPicPr>
             <a:picLocks noChangeAspect="1" noChangeArrowheads="1"/>
           </p:cNvPicPr>
@@ -4525,8 +4540,8 @@
         </p:blipFill>
         <p:spPr bwMode="auto">
           <a:xfrm>
-            <a:off x="6280308" y="7700169"/>
-            <a:ext cx="6816450" cy="4759171"/>
+            <a:off x="5202259" y="9826448"/>
+            <a:ext cx="9525000" cy="6650251"/>
           </a:xfrm>
           <a:prstGeom prst="rect">
             <a:avLst/>
@@ -4545,7 +4560,7 @@
       </p:pic>
       <p:pic>
         <p:nvPicPr>
-          <p:cNvPr id="145" name="Picture 14" descr="C:\Users\satos_000\Desktop\Petty\ScreenShot\2015y04m26d_214953925.png"/>
+          <p:cNvPr id="72" name="Picture 14" descr="C:\Users\satos_000\Desktop\Petty\ScreenShot\2015y04m26d_214953925.png"/>
           <p:cNvPicPr>
             <a:picLocks noChangeAspect="1" noChangeArrowheads="1"/>
           </p:cNvPicPr>
@@ -4576,8 +4591,8 @@
         </p:blipFill>
         <p:spPr bwMode="auto">
           <a:xfrm>
-            <a:off x="12463737" y="7700169"/>
-            <a:ext cx="6816450" cy="4759171"/>
+            <a:off x="11202987" y="9749523"/>
+            <a:ext cx="9525000" cy="6650251"/>
           </a:xfrm>
           <a:prstGeom prst="rect">
             <a:avLst/>
@@ -4596,13 +4611,13 @@
       </p:pic>
       <p:sp>
         <p:nvSpPr>
-          <p:cNvPr id="148" name="TextBox 147"/>
+          <p:cNvPr id="73" name="TextBox 72"/>
           <p:cNvSpPr txBox="1"/>
           <p:nvPr/>
         </p:nvSpPr>
         <p:spPr>
           <a:xfrm>
-            <a:off x="-25400" y="0"/>
+            <a:off x="-25400" y="304800"/>
             <a:ext cx="1729961" cy="461665"/>
           </a:xfrm>
           <a:prstGeom prst="rect">
@@ -4639,13 +4654,13 @@
       </p:sp>
       <p:sp>
         <p:nvSpPr>
-          <p:cNvPr id="149" name="TextBox 148"/>
+          <p:cNvPr id="74" name="TextBox 73"/>
           <p:cNvSpPr txBox="1"/>
           <p:nvPr/>
         </p:nvSpPr>
         <p:spPr>
           <a:xfrm>
-            <a:off x="-25400" y="4571504"/>
+            <a:off x="-25400" y="5131097"/>
             <a:ext cx="1729961" cy="461665"/>
           </a:xfrm>
           <a:prstGeom prst="rect">
@@ -4682,13 +4697,13 @@
       </p:sp>
       <p:sp>
         <p:nvSpPr>
-          <p:cNvPr id="150" name="TextBox 149"/>
+          <p:cNvPr id="75" name="TextBox 74"/>
           <p:cNvSpPr txBox="1"/>
           <p:nvPr/>
         </p:nvSpPr>
         <p:spPr>
           <a:xfrm>
-            <a:off x="-25400" y="8457704"/>
+            <a:off x="-25400" y="10998497"/>
             <a:ext cx="1729961" cy="461665"/>
           </a:xfrm>
           <a:prstGeom prst="rect">
